--- a/Documentatie/SesiuneComunicari.pptx
+++ b/Documentatie/SesiuneComunicari.pptx
@@ -11,6 +11,8 @@
     <p:sldId id="259" r:id="rId5"/>
     <p:sldId id="260" r:id="rId6"/>
     <p:sldId id="261" r:id="rId7"/>
+    <p:sldId id="262" r:id="rId8"/>
+    <p:sldId id="263" r:id="rId9"/>
   </p:sldIdLst>
   <p:sldSz cx="12192000" cy="6858000"/>
   <p:notesSz cx="6858000" cy="9144000"/>
@@ -109,6 +111,11 @@
       </a:defRPr>
     </a:lvl9pPr>
   </p:defaultTextStyle>
+  <p:extLst>
+    <p:ext uri="{EFAFB233-063F-42B5-8137-9DF3F51BA10A}">
+      <p15:sldGuideLst xmlns:p15="http://schemas.microsoft.com/office/powerpoint/2012/main"/>
+    </p:ext>
+  </p:extLst>
 </p:presentation>
 </file>
 
@@ -298,7 +305,7 @@
           <a:p>
             <a:fld id="{F2C91018-6A37-4339-9675-27B5B624C0E3}" type="datetimeFigureOut">
               <a:rPr lang="en-US" smtClean="0"/>
-              <a:t>5/8/2019</a:t>
+              <a:t>5/9/2019</a:t>
             </a:fld>
             <a:endParaRPr lang="en-US"/>
           </a:p>
@@ -573,7 +580,7 @@
           <a:p>
             <a:fld id="{F2C91018-6A37-4339-9675-27B5B624C0E3}" type="datetimeFigureOut">
               <a:rPr lang="en-US" smtClean="0"/>
-              <a:t>5/8/2019</a:t>
+              <a:t>5/9/2019</a:t>
             </a:fld>
             <a:endParaRPr lang="en-US"/>
           </a:p>
@@ -767,7 +774,7 @@
           <a:p>
             <a:fld id="{F2C91018-6A37-4339-9675-27B5B624C0E3}" type="datetimeFigureOut">
               <a:rPr lang="en-US" smtClean="0"/>
-              <a:t>5/8/2019</a:t>
+              <a:t>5/9/2019</a:t>
             </a:fld>
             <a:endParaRPr lang="en-US"/>
           </a:p>
@@ -1040,7 +1047,7 @@
           <a:p>
             <a:fld id="{F2C91018-6A37-4339-9675-27B5B624C0E3}" type="datetimeFigureOut">
               <a:rPr lang="en-US" smtClean="0"/>
-              <a:t>5/8/2019</a:t>
+              <a:t>5/9/2019</a:t>
             </a:fld>
             <a:endParaRPr lang="en-US"/>
           </a:p>
@@ -1381,7 +1388,7 @@
           <a:p>
             <a:fld id="{F2C91018-6A37-4339-9675-27B5B624C0E3}" type="datetimeFigureOut">
               <a:rPr lang="en-US" smtClean="0"/>
-              <a:t>5/8/2019</a:t>
+              <a:t>5/9/2019</a:t>
             </a:fld>
             <a:endParaRPr lang="en-US"/>
           </a:p>
@@ -2004,7 +2011,7 @@
           <a:p>
             <a:fld id="{F2C91018-6A37-4339-9675-27B5B624C0E3}" type="datetimeFigureOut">
               <a:rPr lang="en-US" smtClean="0"/>
-              <a:t>5/8/2019</a:t>
+              <a:t>5/9/2019</a:t>
             </a:fld>
             <a:endParaRPr lang="en-US"/>
           </a:p>
@@ -2864,7 +2871,7 @@
           <a:p>
             <a:fld id="{F2C91018-6A37-4339-9675-27B5B624C0E3}" type="datetimeFigureOut">
               <a:rPr lang="en-US" smtClean="0"/>
-              <a:t>5/8/2019</a:t>
+              <a:t>5/9/2019</a:t>
             </a:fld>
             <a:endParaRPr lang="en-US"/>
           </a:p>
@@ -3034,7 +3041,7 @@
           <a:p>
             <a:fld id="{F2C91018-6A37-4339-9675-27B5B624C0E3}" type="datetimeFigureOut">
               <a:rPr lang="en-US" smtClean="0"/>
-              <a:t>5/8/2019</a:t>
+              <a:t>5/9/2019</a:t>
             </a:fld>
             <a:endParaRPr lang="en-US"/>
           </a:p>
@@ -3214,7 +3221,7 @@
           <a:p>
             <a:fld id="{F2C91018-6A37-4339-9675-27B5B624C0E3}" type="datetimeFigureOut">
               <a:rPr lang="en-US" smtClean="0"/>
-              <a:t>5/8/2019</a:t>
+              <a:t>5/9/2019</a:t>
             </a:fld>
             <a:endParaRPr lang="en-US"/>
           </a:p>
@@ -3384,7 +3391,7 @@
           <a:p>
             <a:fld id="{F2C91018-6A37-4339-9675-27B5B624C0E3}" type="datetimeFigureOut">
               <a:rPr lang="en-US" smtClean="0"/>
-              <a:t>5/8/2019</a:t>
+              <a:t>5/9/2019</a:t>
             </a:fld>
             <a:endParaRPr lang="en-US"/>
           </a:p>
@@ -3631,7 +3638,7 @@
           <a:p>
             <a:fld id="{F2C91018-6A37-4339-9675-27B5B624C0E3}" type="datetimeFigureOut">
               <a:rPr lang="en-US" smtClean="0"/>
-              <a:t>5/8/2019</a:t>
+              <a:t>5/9/2019</a:t>
             </a:fld>
             <a:endParaRPr lang="en-US"/>
           </a:p>
@@ -3923,7 +3930,7 @@
           <a:p>
             <a:fld id="{F2C91018-6A37-4339-9675-27B5B624C0E3}" type="datetimeFigureOut">
               <a:rPr lang="en-US" smtClean="0"/>
-              <a:t>5/8/2019</a:t>
+              <a:t>5/9/2019</a:t>
             </a:fld>
             <a:endParaRPr lang="en-US"/>
           </a:p>
@@ -4367,7 +4374,7 @@
           <a:p>
             <a:fld id="{F2C91018-6A37-4339-9675-27B5B624C0E3}" type="datetimeFigureOut">
               <a:rPr lang="en-US" smtClean="0"/>
-              <a:t>5/8/2019</a:t>
+              <a:t>5/9/2019</a:t>
             </a:fld>
             <a:endParaRPr lang="en-US"/>
           </a:p>
@@ -4485,7 +4492,7 @@
           <a:p>
             <a:fld id="{F2C91018-6A37-4339-9675-27B5B624C0E3}" type="datetimeFigureOut">
               <a:rPr lang="en-US" smtClean="0"/>
-              <a:t>5/8/2019</a:t>
+              <a:t>5/9/2019</a:t>
             </a:fld>
             <a:endParaRPr lang="en-US"/>
           </a:p>
@@ -4580,7 +4587,7 @@
           <a:p>
             <a:fld id="{F2C91018-6A37-4339-9675-27B5B624C0E3}" type="datetimeFigureOut">
               <a:rPr lang="en-US" smtClean="0"/>
-              <a:t>5/8/2019</a:t>
+              <a:t>5/9/2019</a:t>
             </a:fld>
             <a:endParaRPr lang="en-US"/>
           </a:p>
@@ -4859,7 +4866,7 @@
           <a:p>
             <a:fld id="{F2C91018-6A37-4339-9675-27B5B624C0E3}" type="datetimeFigureOut">
               <a:rPr lang="en-US" smtClean="0"/>
-              <a:t>5/8/2019</a:t>
+              <a:t>5/9/2019</a:t>
             </a:fld>
             <a:endParaRPr lang="en-US"/>
           </a:p>
@@ -5134,7 +5141,7 @@
           <a:p>
             <a:fld id="{F2C91018-6A37-4339-9675-27B5B624C0E3}" type="datetimeFigureOut">
               <a:rPr lang="en-US" smtClean="0"/>
-              <a:t>5/8/2019</a:t>
+              <a:t>5/9/2019</a:t>
             </a:fld>
             <a:endParaRPr lang="en-US"/>
           </a:p>
@@ -5563,7 +5570,7 @@
           <a:p>
             <a:fld id="{F2C91018-6A37-4339-9675-27B5B624C0E3}" type="datetimeFigureOut">
               <a:rPr lang="en-US" smtClean="0"/>
-              <a:t>5/8/2019</a:t>
+              <a:t>5/9/2019</a:t>
             </a:fld>
             <a:endParaRPr lang="en-US"/>
           </a:p>
@@ -6318,6 +6325,13 @@
   <p:clrMapOvr>
     <a:masterClrMapping/>
   </p:clrMapOvr>
+  <p:timing>
+    <p:tnLst>
+      <p:par>
+        <p:cTn id="1" dur="indefinite" restart="never" nodeType="tmRoot"/>
+      </p:par>
+    </p:tnLst>
+  </p:timing>
 </p:sld>
 </file>
 
@@ -6508,6 +6522,13 @@
   <p:clrMapOvr>
     <a:masterClrMapping/>
   </p:clrMapOvr>
+  <p:timing>
+    <p:tnLst>
+      <p:par>
+        <p:cTn id="1" dur="indefinite" restart="never" nodeType="tmRoot"/>
+      </p:par>
+    </p:tnLst>
+  </p:timing>
 </p:sld>
 </file>
 
@@ -6622,6 +6643,13 @@
   <p:clrMapOvr>
     <a:masterClrMapping/>
   </p:clrMapOvr>
+  <p:timing>
+    <p:tnLst>
+      <p:par>
+        <p:cTn id="1" dur="indefinite" restart="never" nodeType="tmRoot"/>
+      </p:par>
+    </p:tnLst>
+  </p:timing>
 </p:sld>
 </file>
 
@@ -6860,6 +6888,13 @@
   <p:clrMapOvr>
     <a:masterClrMapping/>
   </p:clrMapOvr>
+  <p:timing>
+    <p:tnLst>
+      <p:par>
+        <p:cTn id="1" dur="indefinite" restart="never" nodeType="tmRoot"/>
+      </p:par>
+    </p:tnLst>
+  </p:timing>
 </p:sld>
 </file>
 
@@ -7119,6 +7154,13 @@
   <p:clrMapOvr>
     <a:masterClrMapping/>
   </p:clrMapOvr>
+  <p:timing>
+    <p:tnLst>
+      <p:par>
+        <p:cTn id="1" dur="indefinite" restart="never" nodeType="tmRoot"/>
+      </p:par>
+    </p:tnLst>
+  </p:timing>
 </p:sld>
 </file>
 
@@ -7214,6 +7256,233 @@
   <p:clrMapOvr>
     <a:masterClrMapping/>
   </p:clrMapOvr>
+  <p:timing>
+    <p:tnLst>
+      <p:par>
+        <p:cTn id="1" dur="indefinite" restart="never" nodeType="tmRoot"/>
+      </p:par>
+    </p:tnLst>
+  </p:timing>
+</p:sld>
+</file>
+
+<file path=ppt/slides/slide7.xml><?xml version="1.0" encoding="utf-8"?>
+<p:sld xmlns:a="http://schemas.openxmlformats.org/drawingml/2006/main" xmlns:r="http://schemas.openxmlformats.org/officeDocument/2006/relationships" xmlns:p="http://schemas.openxmlformats.org/presentationml/2006/main">
+  <p:cSld>
+    <p:spTree>
+      <p:nvGrpSpPr>
+        <p:cNvPr id="1" name=""/>
+        <p:cNvGrpSpPr/>
+        <p:nvPr/>
+      </p:nvGrpSpPr>
+      <p:grpSpPr>
+        <a:xfrm>
+          <a:off x="0" y="0"/>
+          <a:ext cx="0" cy="0"/>
+          <a:chOff x="0" y="0"/>
+          <a:chExt cx="0" cy="0"/>
+        </a:xfrm>
+      </p:grpSpPr>
+      <p:sp>
+        <p:nvSpPr>
+          <p:cNvPr id="2" name="Title 1"/>
+          <p:cNvSpPr>
+            <a:spLocks noGrp="1"/>
+          </p:cNvSpPr>
+          <p:nvPr>
+            <p:ph type="title"/>
+          </p:nvPr>
+        </p:nvSpPr>
+        <p:spPr/>
+        <p:txBody>
+          <a:bodyPr/>
+          <a:lstStyle/>
+          <a:p>
+            <a:r>
+              <a:rPr lang="en-US" dirty="0" smtClean="0"/>
+              <a:t>Wireframes </a:t>
+            </a:r>
+            <a:r>
+              <a:rPr lang="en-US" dirty="0" err="1" smtClean="0"/>
+              <a:t>proiect</a:t>
+            </a:r>
+            <a:endParaRPr lang="en-US" dirty="0"/>
+          </a:p>
+        </p:txBody>
+      </p:sp>
+      <p:pic>
+        <p:nvPicPr>
+          <p:cNvPr id="4" name="Picture 3"/>
+          <p:cNvPicPr>
+            <a:picLocks noChangeAspect="1"/>
+          </p:cNvPicPr>
+          <p:nvPr/>
+        </p:nvPicPr>
+        <p:blipFill>
+          <a:blip r:embed="rId2" cstate="print">
+            <a:extLst>
+              <a:ext uri="{28A0092B-C50C-407E-A947-70E740481C1C}">
+                <a14:useLocalDpi xmlns:a14="http://schemas.microsoft.com/office/drawing/2010/main" val="0"/>
+              </a:ext>
+            </a:extLst>
+          </a:blip>
+          <a:stretch>
+            <a:fillRect/>
+          </a:stretch>
+        </p:blipFill>
+        <p:spPr>
+          <a:xfrm>
+            <a:off x="646111" y="1494845"/>
+            <a:ext cx="4481196" cy="3306178"/>
+          </a:xfrm>
+          <a:prstGeom prst="rect">
+            <a:avLst/>
+          </a:prstGeom>
+        </p:spPr>
+      </p:pic>
+      <p:pic>
+        <p:nvPicPr>
+          <p:cNvPr id="5" name="Picture 4"/>
+          <p:cNvPicPr>
+            <a:picLocks noChangeAspect="1"/>
+          </p:cNvPicPr>
+          <p:nvPr/>
+        </p:nvPicPr>
+        <p:blipFill>
+          <a:blip r:embed="rId3">
+            <a:extLst>
+              <a:ext uri="{28A0092B-C50C-407E-A947-70E740481C1C}">
+                <a14:useLocalDpi xmlns:a14="http://schemas.microsoft.com/office/drawing/2010/main" val="0"/>
+              </a:ext>
+            </a:extLst>
+          </a:blip>
+          <a:stretch>
+            <a:fillRect/>
+          </a:stretch>
+        </p:blipFill>
+        <p:spPr>
+          <a:xfrm>
+            <a:off x="5526157" y="2719347"/>
+            <a:ext cx="5089595" cy="3306178"/>
+          </a:xfrm>
+          <a:prstGeom prst="rect">
+            <a:avLst/>
+          </a:prstGeom>
+        </p:spPr>
+      </p:pic>
+    </p:spTree>
+    <p:extLst>
+      <p:ext uri="{BB962C8B-B14F-4D97-AF65-F5344CB8AC3E}">
+        <p14:creationId xmlns:p14="http://schemas.microsoft.com/office/powerpoint/2010/main" val="3885536398"/>
+      </p:ext>
+    </p:extLst>
+  </p:cSld>
+  <p:clrMapOvr>
+    <a:masterClrMapping/>
+  </p:clrMapOvr>
+  <p:timing>
+    <p:tnLst>
+      <p:par>
+        <p:cTn id="1" dur="indefinite" restart="never" nodeType="tmRoot"/>
+      </p:par>
+    </p:tnLst>
+  </p:timing>
+</p:sld>
+</file>
+
+<file path=ppt/slides/slide8.xml><?xml version="1.0" encoding="utf-8"?>
+<p:sld xmlns:a="http://schemas.openxmlformats.org/drawingml/2006/main" xmlns:r="http://schemas.openxmlformats.org/officeDocument/2006/relationships" xmlns:p="http://schemas.openxmlformats.org/presentationml/2006/main">
+  <p:cSld>
+    <p:spTree>
+      <p:nvGrpSpPr>
+        <p:cNvPr id="1" name=""/>
+        <p:cNvGrpSpPr/>
+        <p:nvPr/>
+      </p:nvGrpSpPr>
+      <p:grpSpPr>
+        <a:xfrm>
+          <a:off x="0" y="0"/>
+          <a:ext cx="0" cy="0"/>
+          <a:chOff x="0" y="0"/>
+          <a:chExt cx="0" cy="0"/>
+        </a:xfrm>
+      </p:grpSpPr>
+      <p:pic>
+        <p:nvPicPr>
+          <p:cNvPr id="4" name="Content Placeholder 3"/>
+          <p:cNvPicPr>
+            <a:picLocks noGrp="1" noChangeAspect="1"/>
+          </p:cNvPicPr>
+          <p:nvPr>
+            <p:ph idx="1"/>
+          </p:nvPr>
+        </p:nvPicPr>
+        <p:blipFill>
+          <a:blip r:embed="rId2">
+            <a:extLst>
+              <a:ext uri="{28A0092B-C50C-407E-A947-70E740481C1C}">
+                <a14:useLocalDpi xmlns:a14="http://schemas.microsoft.com/office/drawing/2010/main" val="0"/>
+              </a:ext>
+            </a:extLst>
+          </a:blip>
+          <a:stretch>
+            <a:fillRect/>
+          </a:stretch>
+        </p:blipFill>
+        <p:spPr>
+          <a:xfrm>
+            <a:off x="416303" y="470328"/>
+            <a:ext cx="4743400" cy="3648448"/>
+          </a:xfrm>
+        </p:spPr>
+      </p:pic>
+      <p:pic>
+        <p:nvPicPr>
+          <p:cNvPr id="5" name="Picture 4"/>
+          <p:cNvPicPr>
+            <a:picLocks noChangeAspect="1"/>
+          </p:cNvPicPr>
+          <p:nvPr/>
+        </p:nvPicPr>
+        <p:blipFill>
+          <a:blip r:embed="rId3">
+            <a:extLst>
+              <a:ext uri="{28A0092B-C50C-407E-A947-70E740481C1C}">
+                <a14:useLocalDpi xmlns:a14="http://schemas.microsoft.com/office/drawing/2010/main" val="0"/>
+              </a:ext>
+            </a:extLst>
+          </a:blip>
+          <a:stretch>
+            <a:fillRect/>
+          </a:stretch>
+        </p:blipFill>
+        <p:spPr>
+          <a:xfrm>
+            <a:off x="5741619" y="2414811"/>
+            <a:ext cx="4998511" cy="3620229"/>
+          </a:xfrm>
+          <a:prstGeom prst="rect">
+            <a:avLst/>
+          </a:prstGeom>
+        </p:spPr>
+      </p:pic>
+    </p:spTree>
+    <p:extLst>
+      <p:ext uri="{BB962C8B-B14F-4D97-AF65-F5344CB8AC3E}">
+        <p14:creationId xmlns:p14="http://schemas.microsoft.com/office/powerpoint/2010/main" val="3644023308"/>
+      </p:ext>
+    </p:extLst>
+  </p:cSld>
+  <p:clrMapOvr>
+    <a:masterClrMapping/>
+  </p:clrMapOvr>
+  <p:timing>
+    <p:tnLst>
+      <p:par>
+        <p:cTn id="1" dur="indefinite" restart="never" nodeType="tmRoot"/>
+      </p:par>
+    </p:tnLst>
+  </p:timing>
 </p:sld>
 </file>
 
